--- a/MySQL实战/33我查这么多数据，会不会把数据库内存打爆？.pptx
+++ b/MySQL实战/33我查这么多数据，会不会把数据库内存打爆？.pptx
@@ -200,7 +200,7 @@
           <a:p>
             <a:fld id="{A900F2CD-AD8F-46FC-AAAB-A0D218D6826F}" type="datetimeFigureOut">
               <a:rPr lang="zh-CN" altLang="en-US" smtClean="0"/>
-              <a:t>2019/6/4</a:t>
+              <a:t>2020/1/20</a:t>
             </a:fld>
             <a:endParaRPr lang="zh-CN" altLang="en-US"/>
           </a:p>
@@ -906,7 +906,7 @@
           <a:p>
             <a:fld id="{E396512D-F96B-4538-B91A-F7EB57A489A0}" type="datetimeFigureOut">
               <a:rPr lang="zh-CN" altLang="en-US" smtClean="0"/>
-              <a:t>2019/6/4</a:t>
+              <a:t>2020/1/20</a:t>
             </a:fld>
             <a:endParaRPr lang="zh-CN" altLang="en-US"/>
           </a:p>
@@ -1181,7 +1181,7 @@
           <a:p>
             <a:fld id="{E396512D-F96B-4538-B91A-F7EB57A489A0}" type="datetimeFigureOut">
               <a:rPr lang="zh-CN" altLang="en-US" smtClean="0"/>
-              <a:t>2019/6/4</a:t>
+              <a:t>2020/1/20</a:t>
             </a:fld>
             <a:endParaRPr lang="zh-CN" altLang="en-US"/>
           </a:p>
@@ -1375,7 +1375,7 @@
           <a:p>
             <a:fld id="{E396512D-F96B-4538-B91A-F7EB57A489A0}" type="datetimeFigureOut">
               <a:rPr lang="zh-CN" altLang="en-US" smtClean="0"/>
-              <a:t>2019/6/4</a:t>
+              <a:t>2020/1/20</a:t>
             </a:fld>
             <a:endParaRPr lang="zh-CN" altLang="en-US"/>
           </a:p>
@@ -1648,7 +1648,7 @@
           <a:p>
             <a:fld id="{E396512D-F96B-4538-B91A-F7EB57A489A0}" type="datetimeFigureOut">
               <a:rPr lang="zh-CN" altLang="en-US" smtClean="0"/>
-              <a:t>2019/6/4</a:t>
+              <a:t>2020/1/20</a:t>
             </a:fld>
             <a:endParaRPr lang="zh-CN" altLang="en-US"/>
           </a:p>
@@ -1989,7 +1989,7 @@
           <a:p>
             <a:fld id="{E396512D-F96B-4538-B91A-F7EB57A489A0}" type="datetimeFigureOut">
               <a:rPr lang="zh-CN" altLang="en-US" smtClean="0"/>
-              <a:t>2019/6/4</a:t>
+              <a:t>2020/1/20</a:t>
             </a:fld>
             <a:endParaRPr lang="zh-CN" altLang="en-US"/>
           </a:p>
@@ -2612,7 +2612,7 @@
           <a:p>
             <a:fld id="{E396512D-F96B-4538-B91A-F7EB57A489A0}" type="datetimeFigureOut">
               <a:rPr lang="zh-CN" altLang="en-US" smtClean="0"/>
-              <a:t>2019/6/4</a:t>
+              <a:t>2020/1/20</a:t>
             </a:fld>
             <a:endParaRPr lang="zh-CN" altLang="en-US"/>
           </a:p>
@@ -3472,7 +3472,7 @@
           <a:p>
             <a:fld id="{E396512D-F96B-4538-B91A-F7EB57A489A0}" type="datetimeFigureOut">
               <a:rPr lang="zh-CN" altLang="en-US" smtClean="0"/>
-              <a:t>2019/6/4</a:t>
+              <a:t>2020/1/20</a:t>
             </a:fld>
             <a:endParaRPr lang="zh-CN" altLang="en-US"/>
           </a:p>
@@ -3642,7 +3642,7 @@
           <a:p>
             <a:fld id="{E396512D-F96B-4538-B91A-F7EB57A489A0}" type="datetimeFigureOut">
               <a:rPr lang="zh-CN" altLang="en-US" smtClean="0"/>
-              <a:t>2019/6/4</a:t>
+              <a:t>2020/1/20</a:t>
             </a:fld>
             <a:endParaRPr lang="zh-CN" altLang="en-US"/>
           </a:p>
@@ -3822,7 +3822,7 @@
           <a:p>
             <a:fld id="{E396512D-F96B-4538-B91A-F7EB57A489A0}" type="datetimeFigureOut">
               <a:rPr lang="zh-CN" altLang="en-US" smtClean="0"/>
-              <a:t>2019/6/4</a:t>
+              <a:t>2020/1/20</a:t>
             </a:fld>
             <a:endParaRPr lang="zh-CN" altLang="en-US"/>
           </a:p>
@@ -3992,7 +3992,7 @@
           <a:p>
             <a:fld id="{E396512D-F96B-4538-B91A-F7EB57A489A0}" type="datetimeFigureOut">
               <a:rPr lang="zh-CN" altLang="en-US" smtClean="0"/>
-              <a:t>2019/6/4</a:t>
+              <a:t>2020/1/20</a:t>
             </a:fld>
             <a:endParaRPr lang="zh-CN" altLang="en-US"/>
           </a:p>
@@ -4239,7 +4239,7 @@
           <a:p>
             <a:fld id="{E396512D-F96B-4538-B91A-F7EB57A489A0}" type="datetimeFigureOut">
               <a:rPr lang="zh-CN" altLang="en-US" smtClean="0"/>
-              <a:t>2019/6/4</a:t>
+              <a:t>2020/1/20</a:t>
             </a:fld>
             <a:endParaRPr lang="zh-CN" altLang="en-US"/>
           </a:p>
@@ -4531,7 +4531,7 @@
           <a:p>
             <a:fld id="{E396512D-F96B-4538-B91A-F7EB57A489A0}" type="datetimeFigureOut">
               <a:rPr lang="zh-CN" altLang="en-US" smtClean="0"/>
-              <a:t>2019/6/4</a:t>
+              <a:t>2020/1/20</a:t>
             </a:fld>
             <a:endParaRPr lang="zh-CN" altLang="en-US"/>
           </a:p>
@@ -4975,7 +4975,7 @@
           <a:p>
             <a:fld id="{E396512D-F96B-4538-B91A-F7EB57A489A0}" type="datetimeFigureOut">
               <a:rPr lang="zh-CN" altLang="en-US" smtClean="0"/>
-              <a:t>2019/6/4</a:t>
+              <a:t>2020/1/20</a:t>
             </a:fld>
             <a:endParaRPr lang="zh-CN" altLang="en-US"/>
           </a:p>
@@ -5093,7 +5093,7 @@
           <a:p>
             <a:fld id="{E396512D-F96B-4538-B91A-F7EB57A489A0}" type="datetimeFigureOut">
               <a:rPr lang="zh-CN" altLang="en-US" smtClean="0"/>
-              <a:t>2019/6/4</a:t>
+              <a:t>2020/1/20</a:t>
             </a:fld>
             <a:endParaRPr lang="zh-CN" altLang="en-US"/>
           </a:p>
@@ -5188,7 +5188,7 @@
           <a:p>
             <a:fld id="{E396512D-F96B-4538-B91A-F7EB57A489A0}" type="datetimeFigureOut">
               <a:rPr lang="zh-CN" altLang="en-US" smtClean="0"/>
-              <a:t>2019/6/4</a:t>
+              <a:t>2020/1/20</a:t>
             </a:fld>
             <a:endParaRPr lang="zh-CN" altLang="en-US"/>
           </a:p>
@@ -5467,7 +5467,7 @@
           <a:p>
             <a:fld id="{E396512D-F96B-4538-B91A-F7EB57A489A0}" type="datetimeFigureOut">
               <a:rPr lang="zh-CN" altLang="en-US" smtClean="0"/>
-              <a:t>2019/6/4</a:t>
+              <a:t>2020/1/20</a:t>
             </a:fld>
             <a:endParaRPr lang="zh-CN" altLang="en-US"/>
           </a:p>
@@ -5742,7 +5742,7 @@
           <a:p>
             <a:fld id="{E396512D-F96B-4538-B91A-F7EB57A489A0}" type="datetimeFigureOut">
               <a:rPr lang="zh-CN" altLang="en-US" smtClean="0"/>
-              <a:t>2019/6/4</a:t>
+              <a:t>2020/1/20</a:t>
             </a:fld>
             <a:endParaRPr lang="zh-CN" altLang="en-US"/>
           </a:p>
@@ -6171,7 +6171,7 @@
           <a:p>
             <a:fld id="{E396512D-F96B-4538-B91A-F7EB57A489A0}" type="datetimeFigureOut">
               <a:rPr lang="zh-CN" altLang="en-US" smtClean="0"/>
-              <a:t>2019/6/4</a:t>
+              <a:t>2020/1/20</a:t>
             </a:fld>
             <a:endParaRPr lang="zh-CN" altLang="en-US"/>
           </a:p>
@@ -6733,10 +6733,6 @@
               </a:rPr>
               <a:t>我查这么多数据，会不会把数据库内存打爆？</a:t>
             </a:r>
-            <a:endParaRPr lang="zh-CN" altLang="en-US" sz="3200" b="1" dirty="0">
-              <a:latin typeface="微软雅黑" panose="020B0503020204020204" pitchFamily="34" charset="-122"/>
-              <a:ea typeface="微软雅黑" panose="020B0503020204020204" pitchFamily="34" charset="-122"/>
-            </a:endParaRPr>
           </a:p>
         </p:txBody>
       </p:sp>
@@ -7066,10 +7062,6 @@
               </a:rPr>
               <a:t>我查这么多数据，会不会把数据库内存打爆？</a:t>
             </a:r>
-            <a:endParaRPr lang="zh-CN" altLang="en-US" sz="3200" b="1" dirty="0">
-              <a:latin typeface="微软雅黑" panose="020B0503020204020204" pitchFamily="34" charset="-122"/>
-              <a:ea typeface="微软雅黑" panose="020B0503020204020204" pitchFamily="34" charset="-122"/>
-            </a:endParaRPr>
           </a:p>
         </p:txBody>
       </p:sp>
@@ -7964,7 +7956,7 @@
         </p:nvSpPr>
         <p:spPr>
           <a:xfrm>
-            <a:off x="-139701" y="5371822"/>
+            <a:off x="202206" y="5495471"/>
             <a:ext cx="10180639" cy="738664"/>
           </a:xfrm>
           <a:prstGeom prst="rect">
@@ -8383,10 +8375,6 @@
               </a:rPr>
               <a:t>我查这么多数据，会不会把数据库内存打爆？</a:t>
             </a:r>
-            <a:endParaRPr lang="zh-CN" altLang="en-US" sz="3200" b="1" dirty="0">
-              <a:latin typeface="微软雅黑" panose="020B0503020204020204" pitchFamily="34" charset="-122"/>
-              <a:ea typeface="微软雅黑" panose="020B0503020204020204" pitchFamily="34" charset="-122"/>
-            </a:endParaRPr>
           </a:p>
         </p:txBody>
       </p:sp>
@@ -8469,7 +8457,18 @@
                 <a:latin typeface="微软雅黑" panose="020B0503020204020204" pitchFamily="34" charset="-122"/>
                 <a:ea typeface="微软雅黑" panose="020B0503020204020204" pitchFamily="34" charset="-122"/>
               </a:rPr>
-              <a:t>S</a:t>
+              <a:t>State</a:t>
+            </a:r>
+            <a:r>
+              <a:rPr lang="zh-CN" altLang="en-US" b="1" dirty="0" smtClean="0">
+                <a:ln/>
+                <a:solidFill>
+                  <a:srgbClr val="4FD1FF"/>
+                </a:solidFill>
+                <a:latin typeface="微软雅黑" panose="020B0503020204020204" pitchFamily="34" charset="-122"/>
+                <a:ea typeface="微软雅黑" panose="020B0503020204020204" pitchFamily="34" charset="-122"/>
+              </a:rPr>
+              <a:t>的 </a:t>
             </a:r>
             <a:r>
               <a:rPr lang="en-US" altLang="zh-CN" b="1" dirty="0" smtClean="0">
@@ -8480,7 +8479,18 @@
                 <a:latin typeface="微软雅黑" panose="020B0503020204020204" pitchFamily="34" charset="-122"/>
                 <a:ea typeface="微软雅黑" panose="020B0503020204020204" pitchFamily="34" charset="-122"/>
               </a:rPr>
-              <a:t>tate</a:t>
+              <a:t>Sending data</a:t>
+            </a:r>
+            <a:r>
+              <a:rPr lang="zh-CN" altLang="en-US" b="1" dirty="0">
+                <a:ln/>
+                <a:solidFill>
+                  <a:srgbClr val="4FD1FF"/>
+                </a:solidFill>
+                <a:latin typeface="微软雅黑" panose="020B0503020204020204" pitchFamily="34" charset="-122"/>
+                <a:ea typeface="微软雅黑" panose="020B0503020204020204" pitchFamily="34" charset="-122"/>
+              </a:rPr>
+              <a:t> </a:t>
             </a:r>
             <a:r>
               <a:rPr lang="zh-CN" altLang="en-US" b="1" dirty="0" smtClean="0">
@@ -8491,7 +8501,7 @@
                 <a:latin typeface="微软雅黑" panose="020B0503020204020204" pitchFamily="34" charset="-122"/>
                 <a:ea typeface="微软雅黑" panose="020B0503020204020204" pitchFamily="34" charset="-122"/>
               </a:rPr>
-              <a:t>的 </a:t>
+              <a:t>和 </a:t>
             </a:r>
             <a:r>
               <a:rPr lang="en-US" altLang="zh-CN" b="1" dirty="0" smtClean="0">
@@ -8502,49 +8512,8 @@
                 <a:latin typeface="微软雅黑" panose="020B0503020204020204" pitchFamily="34" charset="-122"/>
                 <a:ea typeface="微软雅黑" panose="020B0503020204020204" pitchFamily="34" charset="-122"/>
               </a:rPr>
-              <a:t>Sending data</a:t>
-            </a:r>
-            <a:r>
-              <a:rPr lang="zh-CN" altLang="en-US" b="1" dirty="0">
-                <a:ln/>
-                <a:solidFill>
-                  <a:srgbClr val="4FD1FF"/>
-                </a:solidFill>
-                <a:latin typeface="微软雅黑" panose="020B0503020204020204" pitchFamily="34" charset="-122"/>
-                <a:ea typeface="微软雅黑" panose="020B0503020204020204" pitchFamily="34" charset="-122"/>
-              </a:rPr>
-              <a:t> </a:t>
-            </a:r>
-            <a:r>
-              <a:rPr lang="zh-CN" altLang="en-US" b="1" dirty="0" smtClean="0">
-                <a:ln/>
-                <a:solidFill>
-                  <a:srgbClr val="4FD1FF"/>
-                </a:solidFill>
-                <a:latin typeface="微软雅黑" panose="020B0503020204020204" pitchFamily="34" charset="-122"/>
-                <a:ea typeface="微软雅黑" panose="020B0503020204020204" pitchFamily="34" charset="-122"/>
-              </a:rPr>
-              <a:t>和 </a:t>
-            </a:r>
-            <a:r>
-              <a:rPr lang="en-US" altLang="zh-CN" b="1" dirty="0" smtClean="0">
-                <a:ln/>
-                <a:solidFill>
-                  <a:srgbClr val="4FD1FF"/>
-                </a:solidFill>
-                <a:latin typeface="微软雅黑" panose="020B0503020204020204" pitchFamily="34" charset="-122"/>
-                <a:ea typeface="微软雅黑" panose="020B0503020204020204" pitchFamily="34" charset="-122"/>
-              </a:rPr>
               <a:t>Sending to client</a:t>
             </a:r>
-            <a:endParaRPr lang="en-US" altLang="zh-CN" b="1" dirty="0" smtClean="0">
-              <a:ln/>
-              <a:solidFill>
-                <a:srgbClr val="4FD1FF"/>
-              </a:solidFill>
-              <a:latin typeface="微软雅黑" panose="020B0503020204020204" pitchFamily="34" charset="-122"/>
-              <a:ea typeface="微软雅黑" panose="020B0503020204020204" pitchFamily="34" charset="-122"/>
-            </a:endParaRPr>
           </a:p>
         </p:txBody>
       </p:sp>
@@ -12344,10 +12313,6 @@
               </a:rPr>
               <a:t>我查这么多数据，会不会把数据库内存打爆？</a:t>
             </a:r>
-            <a:endParaRPr lang="zh-CN" altLang="en-US" sz="3200" b="1" dirty="0">
-              <a:latin typeface="微软雅黑" panose="020B0503020204020204" pitchFamily="34" charset="-122"/>
-              <a:ea typeface="微软雅黑" panose="020B0503020204020204" pitchFamily="34" charset="-122"/>
-            </a:endParaRPr>
           </a:p>
         </p:txBody>
       </p:sp>
@@ -15411,14 +15376,7 @@
                 <a:latin typeface="微软雅黑" panose="020B0503020204020204" pitchFamily="34" charset="-122"/>
                 <a:ea typeface="微软雅黑" panose="020B0503020204020204" pitchFamily="34" charset="-122"/>
               </a:rPr>
-              <a:t>数据</a:t>
-            </a:r>
-            <a:r>
-              <a:rPr lang="zh-CN" altLang="en-US" sz="1400" dirty="0" smtClean="0">
-                <a:latin typeface="微软雅黑" panose="020B0503020204020204" pitchFamily="34" charset="-122"/>
-                <a:ea typeface="微软雅黑" panose="020B0503020204020204" pitchFamily="34" charset="-122"/>
-              </a:rPr>
-              <a:t>页里有多条记录。所以预计会被多次访问到</a:t>
+              <a:t>数据页里有多条记录。所以预计会被多次访问到</a:t>
             </a:r>
             <a:endParaRPr lang="en-US" altLang="zh-CN" sz="1400" dirty="0" smtClean="0">
               <a:latin typeface="微软雅黑" panose="020B0503020204020204" pitchFamily="34" charset="-122"/>
